--- a/resources/Diagrams.pptx
+++ b/resources/Diagrams.pptx
@@ -197,7 +197,7 @@
           <a:p>
             <a:fld id="{E25CAE56-4D7F-4928-BA7D-28FF010C404B}" type="datetimeFigureOut">
               <a:rPr lang="en-CA" smtClean="0"/>
-              <a:t>2016-09-12</a:t>
+              <a:t>2017-04-01</a:t>
             </a:fld>
             <a:endParaRPr lang="en-CA"/>
           </a:p>
@@ -596,7 +596,7 @@
           <a:p>
             <a:fld id="{858878DD-8534-4088-8268-03F34D0C435B}" type="datetimeFigureOut">
               <a:rPr lang="en-CA" smtClean="0"/>
-              <a:t>2016-09-12</a:t>
+              <a:t>2017-04-01</a:t>
             </a:fld>
             <a:endParaRPr lang="en-CA"/>
           </a:p>
@@ -766,7 +766,7 @@
           <a:p>
             <a:fld id="{858878DD-8534-4088-8268-03F34D0C435B}" type="datetimeFigureOut">
               <a:rPr lang="en-CA" smtClean="0"/>
-              <a:t>2016-09-12</a:t>
+              <a:t>2017-04-01</a:t>
             </a:fld>
             <a:endParaRPr lang="en-CA"/>
           </a:p>
@@ -946,7 +946,7 @@
           <a:p>
             <a:fld id="{858878DD-8534-4088-8268-03F34D0C435B}" type="datetimeFigureOut">
               <a:rPr lang="en-CA" smtClean="0"/>
-              <a:t>2016-09-12</a:t>
+              <a:t>2017-04-01</a:t>
             </a:fld>
             <a:endParaRPr lang="en-CA"/>
           </a:p>
@@ -1273,7 +1273,7 @@
           <a:p>
             <a:fld id="{858878DD-8534-4088-8268-03F34D0C435B}" type="datetimeFigureOut">
               <a:rPr lang="en-CA" smtClean="0"/>
-              <a:t>2016-09-12</a:t>
+              <a:t>2017-04-01</a:t>
             </a:fld>
             <a:endParaRPr lang="en-CA"/>
           </a:p>
@@ -1519,7 +1519,7 @@
           <a:p>
             <a:fld id="{858878DD-8534-4088-8268-03F34D0C435B}" type="datetimeFigureOut">
               <a:rPr lang="en-CA" smtClean="0"/>
-              <a:t>2016-09-12</a:t>
+              <a:t>2017-04-01</a:t>
             </a:fld>
             <a:endParaRPr lang="en-CA"/>
           </a:p>
@@ -1751,7 +1751,7 @@
           <a:p>
             <a:fld id="{858878DD-8534-4088-8268-03F34D0C435B}" type="datetimeFigureOut">
               <a:rPr lang="en-CA" smtClean="0"/>
-              <a:t>2016-09-12</a:t>
+              <a:t>2017-04-01</a:t>
             </a:fld>
             <a:endParaRPr lang="en-CA"/>
           </a:p>
@@ -2118,7 +2118,7 @@
           <a:p>
             <a:fld id="{858878DD-8534-4088-8268-03F34D0C435B}" type="datetimeFigureOut">
               <a:rPr lang="en-CA" smtClean="0"/>
-              <a:t>2016-09-12</a:t>
+              <a:t>2017-04-01</a:t>
             </a:fld>
             <a:endParaRPr lang="en-CA"/>
           </a:p>
@@ -2236,7 +2236,7 @@
           <a:p>
             <a:fld id="{858878DD-8534-4088-8268-03F34D0C435B}" type="datetimeFigureOut">
               <a:rPr lang="en-CA" smtClean="0"/>
-              <a:t>2016-09-12</a:t>
+              <a:t>2017-04-01</a:t>
             </a:fld>
             <a:endParaRPr lang="en-CA"/>
           </a:p>
@@ -2331,7 +2331,7 @@
           <a:p>
             <a:fld id="{858878DD-8534-4088-8268-03F34D0C435B}" type="datetimeFigureOut">
               <a:rPr lang="en-CA" smtClean="0"/>
-              <a:t>2016-09-12</a:t>
+              <a:t>2017-04-01</a:t>
             </a:fld>
             <a:endParaRPr lang="en-CA"/>
           </a:p>
@@ -2608,7 +2608,7 @@
           <a:p>
             <a:fld id="{858878DD-8534-4088-8268-03F34D0C435B}" type="datetimeFigureOut">
               <a:rPr lang="en-CA" smtClean="0"/>
-              <a:t>2016-09-12</a:t>
+              <a:t>2017-04-01</a:t>
             </a:fld>
             <a:endParaRPr lang="en-CA"/>
           </a:p>
@@ -2861,7 +2861,7 @@
           <a:p>
             <a:fld id="{858878DD-8534-4088-8268-03F34D0C435B}" type="datetimeFigureOut">
               <a:rPr lang="en-CA" smtClean="0"/>
-              <a:t>2016-09-12</a:t>
+              <a:t>2017-04-01</a:t>
             </a:fld>
             <a:endParaRPr lang="en-CA"/>
           </a:p>
@@ -3074,7 +3074,7 @@
           <a:p>
             <a:fld id="{858878DD-8534-4088-8268-03F34D0C435B}" type="datetimeFigureOut">
               <a:rPr lang="en-CA" smtClean="0"/>
-              <a:t>2016-09-12</a:t>
+              <a:t>2017-04-01</a:t>
             </a:fld>
             <a:endParaRPr lang="en-CA"/>
           </a:p>
@@ -3480,85 +3480,6 @@
           <a:chExt cx="0" cy="0"/>
         </a:xfrm>
       </p:grpSpPr>
-      <p:sp>
-        <p:nvSpPr>
-          <p:cNvPr id="153" name="Rectangle 152"/>
-          <p:cNvSpPr/>
-          <p:nvPr/>
-        </p:nvSpPr>
-        <p:spPr bwMode="auto">
-          <a:xfrm>
-            <a:off x="4501214" y="4420663"/>
-            <a:ext cx="6961414" cy="2003644"/>
-          </a:xfrm>
-          <a:prstGeom prst="rect">
-            <a:avLst/>
-          </a:prstGeom>
-          <a:solidFill>
-            <a:schemeClr val="accent1">
-              <a:lumMod val="20000"/>
-              <a:lumOff val="80000"/>
-            </a:schemeClr>
-          </a:solidFill>
-          <a:ln>
-            <a:headEnd type="none" w="med" len="med"/>
-            <a:tailEnd type="none" w="med" len="med"/>
-          </a:ln>
-        </p:spPr>
-        <p:style>
-          <a:lnRef idx="1">
-            <a:schemeClr val="accent1"/>
-          </a:lnRef>
-          <a:fillRef idx="2">
-            <a:schemeClr val="accent1"/>
-          </a:fillRef>
-          <a:effectRef idx="1">
-            <a:schemeClr val="accent1"/>
-          </a:effectRef>
-          <a:fontRef idx="minor">
-            <a:schemeClr val="dk1"/>
-          </a:fontRef>
-        </p:style>
-        <p:txBody>
-          <a:bodyPr vert="horz" wrap="square" lIns="91440" tIns="45720" rIns="91440" bIns="45720" numCol="1" rtlCol="0" anchor="t" anchorCtr="0" compatLnSpc="1">
-            <a:prstTxWarp prst="textNoShape">
-              <a:avLst/>
-            </a:prstTxWarp>
-            <a:noAutofit/>
-          </a:bodyPr>
-          <a:lstStyle/>
-          <a:p>
-            <a:pPr marL="342900" marR="0" indent="-342900" algn="l" defTabSz="914400" rtl="0" eaLnBrk="1" fontAlgn="base" latinLnBrk="0" hangingPunct="1">
-              <a:lnSpc>
-                <a:spcPct val="80000"/>
-              </a:lnSpc>
-              <a:spcBef>
-                <a:spcPct val="20000"/>
-              </a:spcBef>
-              <a:spcAft>
-                <a:spcPct val="0"/>
-              </a:spcAft>
-              <a:buClr>
-                <a:schemeClr val="hlink"/>
-              </a:buClr>
-              <a:buSzPct val="60000"/>
-              <a:buFont typeface="Arial Narrow" pitchFamily="34" charset="0"/>
-              <a:buNone/>
-              <a:tabLst/>
-            </a:pPr>
-            <a:endParaRPr kumimoji="0" lang="en-CA" sz="2000" b="1" i="0" u="none" strike="noStrike" cap="none" normalizeH="0" baseline="0" smtClean="0">
-              <a:ln>
-                <a:noFill/>
-              </a:ln>
-              <a:solidFill>
-                <a:schemeClr val="tx1"/>
-              </a:solidFill>
-              <a:effectLst/>
-              <a:latin typeface="Arial" charset="0"/>
-            </a:endParaRPr>
-          </a:p>
-        </p:txBody>
-      </p:sp>
       <p:pic>
         <p:nvPicPr>
           <p:cNvPr id="154" name="Picture 153"/>
@@ -4130,85 +4051,6 @@
           </p:txBody>
         </p:sp>
       </p:grpSp>
-      <p:sp>
-        <p:nvSpPr>
-          <p:cNvPr id="6" name="Rectangle 5"/>
-          <p:cNvSpPr/>
-          <p:nvPr/>
-        </p:nvSpPr>
-        <p:spPr bwMode="auto">
-          <a:xfrm>
-            <a:off x="4501214" y="1419225"/>
-            <a:ext cx="6961414" cy="2916102"/>
-          </a:xfrm>
-          <a:prstGeom prst="rect">
-            <a:avLst/>
-          </a:prstGeom>
-          <a:solidFill>
-            <a:schemeClr val="accent1">
-              <a:lumMod val="20000"/>
-              <a:lumOff val="80000"/>
-            </a:schemeClr>
-          </a:solidFill>
-          <a:ln>
-            <a:headEnd type="none" w="med" len="med"/>
-            <a:tailEnd type="none" w="med" len="med"/>
-          </a:ln>
-        </p:spPr>
-        <p:style>
-          <a:lnRef idx="1">
-            <a:schemeClr val="accent1"/>
-          </a:lnRef>
-          <a:fillRef idx="2">
-            <a:schemeClr val="accent1"/>
-          </a:fillRef>
-          <a:effectRef idx="1">
-            <a:schemeClr val="accent1"/>
-          </a:effectRef>
-          <a:fontRef idx="minor">
-            <a:schemeClr val="dk1"/>
-          </a:fontRef>
-        </p:style>
-        <p:txBody>
-          <a:bodyPr vert="horz" wrap="square" lIns="91440" tIns="45720" rIns="91440" bIns="45720" numCol="1" rtlCol="0" anchor="t" anchorCtr="0" compatLnSpc="1">
-            <a:prstTxWarp prst="textNoShape">
-              <a:avLst/>
-            </a:prstTxWarp>
-            <a:noAutofit/>
-          </a:bodyPr>
-          <a:lstStyle/>
-          <a:p>
-            <a:pPr marL="342900" marR="0" indent="-342900" algn="l" defTabSz="914400" rtl="0" eaLnBrk="1" fontAlgn="base" latinLnBrk="0" hangingPunct="1">
-              <a:lnSpc>
-                <a:spcPct val="80000"/>
-              </a:lnSpc>
-              <a:spcBef>
-                <a:spcPct val="20000"/>
-              </a:spcBef>
-              <a:spcAft>
-                <a:spcPct val="0"/>
-              </a:spcAft>
-              <a:buClr>
-                <a:schemeClr val="hlink"/>
-              </a:buClr>
-              <a:buSzPct val="60000"/>
-              <a:buFont typeface="Arial Narrow" pitchFamily="34" charset="0"/>
-              <a:buNone/>
-              <a:tabLst/>
-            </a:pPr>
-            <a:endParaRPr kumimoji="0" lang="en-CA" sz="2000" b="1" i="0" u="none" strike="noStrike" cap="none" normalizeH="0" baseline="0" smtClean="0">
-              <a:ln>
-                <a:noFill/>
-              </a:ln>
-              <a:solidFill>
-                <a:schemeClr val="tx1"/>
-              </a:solidFill>
-              <a:effectLst/>
-              <a:latin typeface="Arial" charset="0"/>
-            </a:endParaRPr>
-          </a:p>
-        </p:txBody>
-      </p:sp>
       <p:grpSp>
         <p:nvGrpSpPr>
           <p:cNvPr id="86" name="Group 85"/>
@@ -4615,296 +4457,6 @@
           </p:spPr>
         </p:pic>
       </p:grpSp>
-      <p:sp>
-        <p:nvSpPr>
-          <p:cNvPr id="8" name="Oval 7"/>
-          <p:cNvSpPr/>
-          <p:nvPr/>
-        </p:nvSpPr>
-        <p:spPr bwMode="auto">
-          <a:xfrm>
-            <a:off x="9370823" y="2691724"/>
-            <a:ext cx="1438275" cy="1390651"/>
-          </a:xfrm>
-          <a:prstGeom prst="ellipse">
-            <a:avLst/>
-          </a:prstGeom>
-          <a:ln>
-            <a:headEnd type="none" w="med" len="med"/>
-            <a:tailEnd type="none" w="med" len="med"/>
-          </a:ln>
-        </p:spPr>
-        <p:style>
-          <a:lnRef idx="0">
-            <a:schemeClr val="accent1"/>
-          </a:lnRef>
-          <a:fillRef idx="3">
-            <a:schemeClr val="accent1"/>
-          </a:fillRef>
-          <a:effectRef idx="3">
-            <a:schemeClr val="accent1"/>
-          </a:effectRef>
-          <a:fontRef idx="minor">
-            <a:schemeClr val="lt1"/>
-          </a:fontRef>
-        </p:style>
-        <p:txBody>
-          <a:bodyPr vert="horz" wrap="none" lIns="91440" tIns="45720" rIns="91440" bIns="45720" numCol="1" rtlCol="0" anchor="ctr" anchorCtr="0" compatLnSpc="1">
-            <a:prstTxWarp prst="textNoShape">
-              <a:avLst/>
-            </a:prstTxWarp>
-            <a:noAutofit/>
-          </a:bodyPr>
-          <a:lstStyle/>
-          <a:p>
-            <a:pPr marL="342900" marR="0" indent="-342900" algn="ctr" defTabSz="914400" rtl="0" eaLnBrk="1" fontAlgn="base" latinLnBrk="0" hangingPunct="1">
-              <a:lnSpc>
-                <a:spcPct val="80000"/>
-              </a:lnSpc>
-              <a:spcBef>
-                <a:spcPct val="20000"/>
-              </a:spcBef>
-              <a:spcAft>
-                <a:spcPct val="0"/>
-              </a:spcAft>
-              <a:buClr>
-                <a:schemeClr val="hlink"/>
-              </a:buClr>
-              <a:buSzPct val="60000"/>
-              <a:buFont typeface="Arial Narrow" pitchFamily="34" charset="0"/>
-              <a:buNone/>
-              <a:tabLst/>
-            </a:pPr>
-            <a:r>
-              <a:rPr kumimoji="0" lang="en-CA" sz="2000" b="1" i="0" u="none" strike="noStrike" cap="none" normalizeH="0" baseline="0" dirty="0" smtClean="0">
-                <a:ln>
-                  <a:noFill/>
-                </a:ln>
-                <a:solidFill>
-                  <a:schemeClr val="bg1"/>
-                </a:solidFill>
-                <a:effectLst/>
-                <a:latin typeface="Arial" charset="0"/>
-              </a:rPr>
-              <a:t>Solace</a:t>
-            </a:r>
-          </a:p>
-          <a:p>
-            <a:pPr marL="342900" marR="0" indent="-342900" algn="ctr" defTabSz="914400" rtl="0" eaLnBrk="1" fontAlgn="base" latinLnBrk="0" hangingPunct="1">
-              <a:lnSpc>
-                <a:spcPct val="80000"/>
-              </a:lnSpc>
-              <a:spcBef>
-                <a:spcPct val="20000"/>
-              </a:spcBef>
-              <a:spcAft>
-                <a:spcPct val="0"/>
-              </a:spcAft>
-              <a:buClr>
-                <a:schemeClr val="hlink"/>
-              </a:buClr>
-              <a:buSzPct val="60000"/>
-              <a:buFont typeface="Arial Narrow" pitchFamily="34" charset="0"/>
-              <a:buNone/>
-              <a:tabLst/>
-            </a:pPr>
-            <a:r>
-              <a:rPr lang="en-CA" sz="2000" b="1" dirty="0" smtClean="0">
-                <a:solidFill>
-                  <a:schemeClr val="bg1"/>
-                </a:solidFill>
-                <a:latin typeface="Arial" charset="0"/>
-              </a:rPr>
-              <a:t>Service</a:t>
-            </a:r>
-          </a:p>
-          <a:p>
-            <a:pPr marL="342900" marR="0" indent="-342900" algn="ctr" defTabSz="914400" rtl="0" eaLnBrk="1" fontAlgn="base" latinLnBrk="0" hangingPunct="1">
-              <a:lnSpc>
-                <a:spcPct val="80000"/>
-              </a:lnSpc>
-              <a:spcBef>
-                <a:spcPct val="20000"/>
-              </a:spcBef>
-              <a:spcAft>
-                <a:spcPct val="0"/>
-              </a:spcAft>
-              <a:buClr>
-                <a:schemeClr val="hlink"/>
-              </a:buClr>
-              <a:buSzPct val="60000"/>
-              <a:buFont typeface="Arial Narrow" pitchFamily="34" charset="0"/>
-              <a:buNone/>
-              <a:tabLst/>
-            </a:pPr>
-            <a:r>
-              <a:rPr kumimoji="0" lang="en-CA" sz="2000" b="1" i="0" u="none" strike="noStrike" cap="none" normalizeH="0" baseline="0" dirty="0" smtClean="0">
-                <a:ln>
-                  <a:noFill/>
-                </a:ln>
-                <a:solidFill>
-                  <a:schemeClr val="bg1"/>
-                </a:solidFill>
-                <a:effectLst/>
-                <a:latin typeface="Arial" charset="0"/>
-              </a:rPr>
-              <a:t>Broker</a:t>
-            </a:r>
-          </a:p>
-        </p:txBody>
-      </p:sp>
-      <p:sp>
-        <p:nvSpPr>
-          <p:cNvPr id="9" name="Rectangle 8"/>
-          <p:cNvSpPr/>
-          <p:nvPr/>
-        </p:nvSpPr>
-        <p:spPr bwMode="auto">
-          <a:xfrm>
-            <a:off x="5396564" y="1518363"/>
-            <a:ext cx="3800475" cy="424279"/>
-          </a:xfrm>
-          <a:prstGeom prst="rect">
-            <a:avLst/>
-          </a:prstGeom>
-          <a:ln>
-            <a:headEnd type="none" w="med" len="med"/>
-            <a:tailEnd type="none" w="med" len="med"/>
-          </a:ln>
-        </p:spPr>
-        <p:style>
-          <a:lnRef idx="0">
-            <a:schemeClr val="accent5"/>
-          </a:lnRef>
-          <a:fillRef idx="3">
-            <a:schemeClr val="accent5"/>
-          </a:fillRef>
-          <a:effectRef idx="3">
-            <a:schemeClr val="accent5"/>
-          </a:effectRef>
-          <a:fontRef idx="minor">
-            <a:schemeClr val="lt1"/>
-          </a:fontRef>
-        </p:style>
-        <p:txBody>
-          <a:bodyPr vert="horz" wrap="square" lIns="91440" tIns="45720" rIns="91440" bIns="45720" numCol="1" rtlCol="0" anchor="ctr" anchorCtr="0" compatLnSpc="1">
-            <a:prstTxWarp prst="textNoShape">
-              <a:avLst/>
-            </a:prstTxWarp>
-            <a:noAutofit/>
-          </a:bodyPr>
-          <a:lstStyle/>
-          <a:p>
-            <a:pPr marL="342900" marR="0" indent="-342900" algn="ctr" defTabSz="914400" rtl="0" eaLnBrk="1" fontAlgn="base" latinLnBrk="0" hangingPunct="1">
-              <a:lnSpc>
-                <a:spcPct val="80000"/>
-              </a:lnSpc>
-              <a:spcBef>
-                <a:spcPct val="20000"/>
-              </a:spcBef>
-              <a:spcAft>
-                <a:spcPct val="0"/>
-              </a:spcAft>
-              <a:buClr>
-                <a:schemeClr val="hlink"/>
-              </a:buClr>
-              <a:buSzPct val="60000"/>
-              <a:buFont typeface="Arial Narrow" pitchFamily="34" charset="0"/>
-              <a:buNone/>
-              <a:tabLst/>
-            </a:pPr>
-            <a:r>
-              <a:rPr kumimoji="0" lang="en-CA" sz="2000" i="0" u="none" strike="noStrike" cap="none" normalizeH="0" baseline="0" dirty="0" smtClean="0">
-                <a:ln>
-                  <a:noFill/>
-                </a:ln>
-                <a:solidFill>
-                  <a:schemeClr val="tx1"/>
-                </a:solidFill>
-                <a:effectLst/>
-                <a:latin typeface="Arial" charset="0"/>
-              </a:rPr>
-              <a:t>Cloud Controller</a:t>
-            </a:r>
-          </a:p>
-        </p:txBody>
-      </p:sp>
-      <p:sp>
-        <p:nvSpPr>
-          <p:cNvPr id="10" name="Rectangle 9"/>
-          <p:cNvSpPr/>
-          <p:nvPr/>
-        </p:nvSpPr>
-        <p:spPr bwMode="auto">
-          <a:xfrm rot="16200000">
-            <a:off x="3609580" y="2671130"/>
-            <a:ext cx="2402396" cy="424279"/>
-          </a:xfrm>
-          <a:prstGeom prst="rect">
-            <a:avLst/>
-          </a:prstGeom>
-          <a:ln>
-            <a:headEnd type="none" w="med" len="med"/>
-            <a:tailEnd type="none" w="med" len="med"/>
-          </a:ln>
-        </p:spPr>
-        <p:style>
-          <a:lnRef idx="0">
-            <a:schemeClr val="accent5"/>
-          </a:lnRef>
-          <a:fillRef idx="3">
-            <a:schemeClr val="accent5"/>
-          </a:fillRef>
-          <a:effectRef idx="3">
-            <a:schemeClr val="accent5"/>
-          </a:effectRef>
-          <a:fontRef idx="minor">
-            <a:schemeClr val="lt1"/>
-          </a:fontRef>
-        </p:style>
-        <p:txBody>
-          <a:bodyPr vert="horz" wrap="square" lIns="91440" tIns="45720" rIns="91440" bIns="45720" numCol="1" rtlCol="0" anchor="ctr" anchorCtr="0" compatLnSpc="1">
-            <a:prstTxWarp prst="textNoShape">
-              <a:avLst/>
-            </a:prstTxWarp>
-            <a:noAutofit/>
-          </a:bodyPr>
-          <a:lstStyle/>
-          <a:p>
-            <a:pPr marL="342900" marR="0" indent="-342900" algn="ctr" defTabSz="914400" rtl="0" eaLnBrk="1" fontAlgn="base" latinLnBrk="0" hangingPunct="1">
-              <a:lnSpc>
-                <a:spcPct val="80000"/>
-              </a:lnSpc>
-              <a:spcBef>
-                <a:spcPct val="20000"/>
-              </a:spcBef>
-              <a:spcAft>
-                <a:spcPct val="0"/>
-              </a:spcAft>
-              <a:buClr>
-                <a:schemeClr val="hlink"/>
-              </a:buClr>
-              <a:buSzPct val="60000"/>
-              <a:buFont typeface="Arial Narrow" pitchFamily="34" charset="0"/>
-              <a:buNone/>
-              <a:tabLst/>
-            </a:pPr>
-            <a:r>
-              <a:rPr kumimoji="0" lang="en-CA" i="0" u="none" strike="noStrike" cap="none" normalizeH="0" baseline="0" dirty="0" smtClean="0">
-                <a:ln>
-                  <a:noFill/>
-                </a:ln>
-                <a:solidFill>
-                  <a:schemeClr val="tx1"/>
-                </a:solidFill>
-                <a:effectLst/>
-                <a:latin typeface="Arial" charset="0"/>
-              </a:rPr>
-              <a:t>Router</a:t>
-            </a:r>
-          </a:p>
-        </p:txBody>
-      </p:sp>
       <p:pic>
         <p:nvPicPr>
           <p:cNvPr id="44" name="Picture 43" descr="Screen Clipping"/>
@@ -5109,295 +4661,6 @@
           </a:ln>
           <a:effectLst/>
         </p:spPr>
-      </p:cxnSp>
-      <p:sp>
-        <p:nvSpPr>
-          <p:cNvPr id="60" name="Freeform 59"/>
-          <p:cNvSpPr/>
-          <p:nvPr/>
-        </p:nvSpPr>
-        <p:spPr bwMode="auto">
-          <a:xfrm>
-            <a:off x="4188279" y="2043793"/>
-            <a:ext cx="2081864" cy="143198"/>
-          </a:xfrm>
-          <a:custGeom>
-            <a:avLst/>
-            <a:gdLst>
-              <a:gd name="connsiteX0" fmla="*/ 0 w 2669722"/>
-              <a:gd name="connsiteY0" fmla="*/ 261257 h 286396"/>
-              <a:gd name="connsiteX1" fmla="*/ 2081893 w 2669722"/>
-              <a:gd name="connsiteY1" fmla="*/ 261257 h 286396"/>
-              <a:gd name="connsiteX2" fmla="*/ 2669722 w 2669722"/>
-              <a:gd name="connsiteY2" fmla="*/ 0 h 286396"/>
-            </a:gdLst>
-            <a:ahLst/>
-            <a:cxnLst>
-              <a:cxn ang="0">
-                <a:pos x="connsiteX0" y="connsiteY0"/>
-              </a:cxn>
-              <a:cxn ang="0">
-                <a:pos x="connsiteX1" y="connsiteY1"/>
-              </a:cxn>
-              <a:cxn ang="0">
-                <a:pos x="connsiteX2" y="connsiteY2"/>
-              </a:cxn>
-            </a:cxnLst>
-            <a:rect l="l" t="t" r="r" b="b"/>
-            <a:pathLst>
-              <a:path w="2669722" h="286396">
-                <a:moveTo>
-                  <a:pt x="0" y="261257"/>
-                </a:moveTo>
-                <a:cubicBezTo>
-                  <a:pt x="818469" y="283028"/>
-                  <a:pt x="1636939" y="304800"/>
-                  <a:pt x="2081893" y="261257"/>
-                </a:cubicBezTo>
-                <a:cubicBezTo>
-                  <a:pt x="2526847" y="217714"/>
-                  <a:pt x="2598284" y="108857"/>
-                  <a:pt x="2669722" y="0"/>
-                </a:cubicBezTo>
-              </a:path>
-            </a:pathLst>
-          </a:custGeom>
-          <a:ln w="38100">
-            <a:prstDash val="sysDot"/>
-            <a:headEnd type="none" w="med" len="med"/>
-            <a:tailEnd type="triangle" w="med" len="med"/>
-          </a:ln>
-        </p:spPr>
-        <p:style>
-          <a:lnRef idx="3">
-            <a:schemeClr val="accent5"/>
-          </a:lnRef>
-          <a:fillRef idx="0">
-            <a:schemeClr val="accent5"/>
-          </a:fillRef>
-          <a:effectRef idx="2">
-            <a:schemeClr val="accent5"/>
-          </a:effectRef>
-          <a:fontRef idx="minor">
-            <a:schemeClr val="tx1"/>
-          </a:fontRef>
-        </p:style>
-        <p:txBody>
-          <a:bodyPr vert="horz" wrap="square" lIns="91440" tIns="45720" rIns="91440" bIns="45720" numCol="1" rtlCol="0" anchor="t" anchorCtr="0" compatLnSpc="1">
-            <a:prstTxWarp prst="textNoShape">
-              <a:avLst/>
-            </a:prstTxWarp>
-            <a:noAutofit/>
-          </a:bodyPr>
-          <a:lstStyle/>
-          <a:p>
-            <a:pPr marL="342900" marR="0" indent="-342900" algn="l" defTabSz="914400" rtl="0" eaLnBrk="1" fontAlgn="base" latinLnBrk="0" hangingPunct="1">
-              <a:lnSpc>
-                <a:spcPct val="80000"/>
-              </a:lnSpc>
-              <a:spcBef>
-                <a:spcPct val="20000"/>
-              </a:spcBef>
-              <a:spcAft>
-                <a:spcPct val="0"/>
-              </a:spcAft>
-              <a:buClr>
-                <a:schemeClr val="hlink"/>
-              </a:buClr>
-              <a:buSzPct val="60000"/>
-              <a:buFont typeface="Arial Narrow" pitchFamily="34" charset="0"/>
-              <a:buNone/>
-              <a:tabLst/>
-            </a:pPr>
-            <a:endParaRPr kumimoji="0" lang="en-CA" sz="2000" b="1" i="0" u="none" strike="noStrike" cap="none" normalizeH="0" baseline="0" smtClean="0">
-              <a:ln>
-                <a:noFill/>
-              </a:ln>
-              <a:solidFill>
-                <a:schemeClr val="tx1"/>
-              </a:solidFill>
-              <a:effectLst/>
-              <a:latin typeface="Arial" charset="0"/>
-            </a:endParaRPr>
-          </a:p>
-        </p:txBody>
-      </p:sp>
-      <p:cxnSp>
-        <p:nvCxnSpPr>
-          <p:cNvPr id="61" name="Straight Arrow Connector 60"/>
-          <p:cNvCxnSpPr/>
-          <p:nvPr/>
-        </p:nvCxnSpPr>
-        <p:spPr bwMode="auto">
-          <a:xfrm flipH="1">
-            <a:off x="6608901" y="2043793"/>
-            <a:ext cx="223081" cy="495718"/>
-          </a:xfrm>
-          <a:prstGeom prst="straightConnector1">
-            <a:avLst/>
-          </a:prstGeom>
-          <a:ln w="38100">
-            <a:prstDash val="sysDot"/>
-            <a:headEnd type="none" w="med" len="med"/>
-            <a:tailEnd type="triangle" w="med" len="med"/>
-          </a:ln>
-        </p:spPr>
-        <p:style>
-          <a:lnRef idx="3">
-            <a:schemeClr val="accent5"/>
-          </a:lnRef>
-          <a:fillRef idx="0">
-            <a:schemeClr val="accent5"/>
-          </a:fillRef>
-          <a:effectRef idx="2">
-            <a:schemeClr val="accent5"/>
-          </a:effectRef>
-          <a:fontRef idx="minor">
-            <a:schemeClr val="tx1"/>
-          </a:fontRef>
-        </p:style>
-      </p:cxnSp>
-      <p:cxnSp>
-        <p:nvCxnSpPr>
-          <p:cNvPr id="62" name="Straight Arrow Connector 61"/>
-          <p:cNvCxnSpPr>
-            <a:endCxn id="111" idx="0"/>
-          </p:cNvCxnSpPr>
-          <p:nvPr/>
-        </p:nvCxnSpPr>
-        <p:spPr bwMode="auto">
-          <a:xfrm>
-            <a:off x="7762259" y="2063535"/>
-            <a:ext cx="135375" cy="585719"/>
-          </a:xfrm>
-          <a:prstGeom prst="straightConnector1">
-            <a:avLst/>
-          </a:prstGeom>
-          <a:ln w="38100">
-            <a:prstDash val="sysDot"/>
-            <a:headEnd type="none" w="med" len="med"/>
-            <a:tailEnd type="triangle" w="med" len="med"/>
-          </a:ln>
-        </p:spPr>
-        <p:style>
-          <a:lnRef idx="3">
-            <a:schemeClr val="accent5"/>
-          </a:lnRef>
-          <a:fillRef idx="0">
-            <a:schemeClr val="accent5"/>
-          </a:fillRef>
-          <a:effectRef idx="2">
-            <a:schemeClr val="accent5"/>
-          </a:effectRef>
-          <a:fontRef idx="minor">
-            <a:schemeClr val="tx1"/>
-          </a:fontRef>
-        </p:style>
-      </p:cxnSp>
-      <p:cxnSp>
-        <p:nvCxnSpPr>
-          <p:cNvPr id="63" name="Straight Connector 62"/>
-          <p:cNvCxnSpPr/>
-          <p:nvPr/>
-        </p:nvCxnSpPr>
-        <p:spPr bwMode="auto">
-          <a:xfrm>
-            <a:off x="9281016" y="2068067"/>
-            <a:ext cx="0" cy="2117666"/>
-          </a:xfrm>
-          <a:prstGeom prst="line">
-            <a:avLst/>
-          </a:prstGeom>
-          <a:ln>
-            <a:prstDash val="sysDot"/>
-            <a:headEnd type="none" w="med" len="med"/>
-            <a:tailEnd type="none" w="med" len="med"/>
-          </a:ln>
-        </p:spPr>
-        <p:style>
-          <a:lnRef idx="3">
-            <a:schemeClr val="accent5"/>
-          </a:lnRef>
-          <a:fillRef idx="0">
-            <a:schemeClr val="accent5"/>
-          </a:fillRef>
-          <a:effectRef idx="2">
-            <a:schemeClr val="accent5"/>
-          </a:effectRef>
-          <a:fontRef idx="minor">
-            <a:schemeClr val="tx1"/>
-          </a:fontRef>
-        </p:style>
-      </p:cxnSp>
-      <p:cxnSp>
-        <p:nvCxnSpPr>
-          <p:cNvPr id="65" name="Straight Arrow Connector 64"/>
-          <p:cNvCxnSpPr/>
-          <p:nvPr/>
-        </p:nvCxnSpPr>
-        <p:spPr bwMode="auto">
-          <a:xfrm>
-            <a:off x="9034989" y="2043793"/>
-            <a:ext cx="688646" cy="657600"/>
-          </a:xfrm>
-          <a:prstGeom prst="straightConnector1">
-            <a:avLst/>
-          </a:prstGeom>
-          <a:ln w="38100">
-            <a:prstDash val="sysDot"/>
-            <a:headEnd type="none" w="med" len="med"/>
-            <a:tailEnd type="triangle" w="med" len="med"/>
-          </a:ln>
-        </p:spPr>
-        <p:style>
-          <a:lnRef idx="3">
-            <a:schemeClr val="accent5"/>
-          </a:lnRef>
-          <a:fillRef idx="0">
-            <a:schemeClr val="accent5"/>
-          </a:fillRef>
-          <a:effectRef idx="2">
-            <a:schemeClr val="accent5"/>
-          </a:effectRef>
-          <a:fontRef idx="minor">
-            <a:schemeClr val="tx1"/>
-          </a:fontRef>
-        </p:style>
-      </p:cxnSp>
-      <p:cxnSp>
-        <p:nvCxnSpPr>
-          <p:cNvPr id="66" name="Straight Arrow Connector 65"/>
-          <p:cNvCxnSpPr/>
-          <p:nvPr/>
-        </p:nvCxnSpPr>
-        <p:spPr bwMode="auto">
-          <a:xfrm flipH="1">
-            <a:off x="8068320" y="4031622"/>
-            <a:ext cx="1549209" cy="1004397"/>
-          </a:xfrm>
-          <a:prstGeom prst="straightConnector1">
-            <a:avLst/>
-          </a:prstGeom>
-          <a:ln w="38100">
-            <a:prstDash val="sysDot"/>
-            <a:headEnd type="none" w="med" len="med"/>
-            <a:tailEnd type="triangle" w="med" len="med"/>
-          </a:ln>
-        </p:spPr>
-        <p:style>
-          <a:lnRef idx="3">
-            <a:schemeClr val="accent5"/>
-          </a:lnRef>
-          <a:fillRef idx="0">
-            <a:schemeClr val="accent5"/>
-          </a:fillRef>
-          <a:effectRef idx="2">
-            <a:schemeClr val="accent5"/>
-          </a:effectRef>
-          <a:fontRef idx="minor">
-            <a:schemeClr val="tx1"/>
-          </a:fontRef>
-        </p:style>
       </p:cxnSp>
       <p:sp>
         <p:nvSpPr>
@@ -5916,133 +5179,6 @@
           </p:txBody>
         </p:sp>
       </p:grpSp>
-      <p:grpSp>
-        <p:nvGrpSpPr>
-          <p:cNvPr id="80" name="Group 79"/>
-          <p:cNvGrpSpPr/>
-          <p:nvPr/>
-        </p:nvGrpSpPr>
-        <p:grpSpPr>
-          <a:xfrm>
-            <a:off x="9930798" y="2526800"/>
-            <a:ext cx="318324" cy="369332"/>
-            <a:chOff x="2790018" y="5090145"/>
-            <a:chExt cx="318324" cy="369332"/>
-          </a:xfrm>
-        </p:grpSpPr>
-        <p:sp>
-          <p:nvSpPr>
-            <p:cNvPr id="81" name="Oval 80"/>
-            <p:cNvSpPr/>
-            <p:nvPr/>
-          </p:nvSpPr>
-          <p:spPr bwMode="auto">
-            <a:xfrm>
-              <a:off x="2790018" y="5116682"/>
-              <a:ext cx="318324" cy="316259"/>
-            </a:xfrm>
-            <a:prstGeom prst="ellipse">
-              <a:avLst/>
-            </a:prstGeom>
-            <a:solidFill>
-              <a:srgbClr val="C00000"/>
-            </a:solidFill>
-            <a:ln>
-              <a:headEnd type="none" w="med" len="med"/>
-              <a:tailEnd type="none" w="med" len="med"/>
-            </a:ln>
-          </p:spPr>
-          <p:style>
-            <a:lnRef idx="0">
-              <a:schemeClr val="accent2"/>
-            </a:lnRef>
-            <a:fillRef idx="3">
-              <a:schemeClr val="accent2"/>
-            </a:fillRef>
-            <a:effectRef idx="3">
-              <a:schemeClr val="accent2"/>
-            </a:effectRef>
-            <a:fontRef idx="minor">
-              <a:schemeClr val="lt1"/>
-            </a:fontRef>
-          </p:style>
-          <p:txBody>
-            <a:bodyPr vert="horz" wrap="square" lIns="91440" tIns="45720" rIns="91440" bIns="45720" numCol="1" rtlCol="0" anchor="t" anchorCtr="0" compatLnSpc="1">
-              <a:prstTxWarp prst="textNoShape">
-                <a:avLst/>
-              </a:prstTxWarp>
-              <a:noAutofit/>
-            </a:bodyPr>
-            <a:lstStyle/>
-            <a:p>
-              <a:pPr marL="342900" marR="0" indent="-342900" algn="l" defTabSz="914400" rtl="0" eaLnBrk="1" fontAlgn="base" latinLnBrk="0" hangingPunct="1">
-                <a:lnSpc>
-                  <a:spcPct val="80000"/>
-                </a:lnSpc>
-                <a:spcBef>
-                  <a:spcPct val="20000"/>
-                </a:spcBef>
-                <a:spcAft>
-                  <a:spcPct val="0"/>
-                </a:spcAft>
-                <a:buClr>
-                  <a:schemeClr val="hlink"/>
-                </a:buClr>
-                <a:buSzPct val="60000"/>
-                <a:buFont typeface="Arial Narrow" pitchFamily="34" charset="0"/>
-                <a:buNone/>
-                <a:tabLst/>
-              </a:pPr>
-              <a:endParaRPr kumimoji="0" lang="en-CA" sz="2000" b="1" i="0" u="none" strike="noStrike" cap="none" normalizeH="0" baseline="0" dirty="0" smtClean="0">
-                <a:ln>
-                  <a:noFill/>
-                </a:ln>
-                <a:solidFill>
-                  <a:schemeClr val="accent4">
-                    <a:lumMod val="95000"/>
-                    <a:lumOff val="5000"/>
-                  </a:schemeClr>
-                </a:solidFill>
-                <a:effectLst/>
-                <a:latin typeface="Arial" charset="0"/>
-              </a:endParaRPr>
-            </a:p>
-          </p:txBody>
-        </p:sp>
-        <p:sp>
-          <p:nvSpPr>
-            <p:cNvPr id="82" name="TextBox 81"/>
-            <p:cNvSpPr txBox="1"/>
-            <p:nvPr/>
-          </p:nvSpPr>
-          <p:spPr>
-            <a:xfrm>
-              <a:off x="2790018" y="5090145"/>
-              <a:ext cx="312906" cy="369332"/>
-            </a:xfrm>
-            <a:prstGeom prst="rect">
-              <a:avLst/>
-            </a:prstGeom>
-            <a:noFill/>
-          </p:spPr>
-          <p:txBody>
-            <a:bodyPr wrap="none" rtlCol="0">
-              <a:spAutoFit/>
-            </a:bodyPr>
-            <a:lstStyle/>
-            <a:p>
-              <a:r>
-                <a:rPr lang="en-CA" dirty="0">
-                  <a:solidFill>
-                    <a:schemeClr val="bg1"/>
-                  </a:solidFill>
-                </a:rPr>
-                <a:t>5</a:t>
-              </a:r>
-            </a:p>
-          </p:txBody>
-        </p:sp>
-      </p:grpSp>
       <p:pic>
         <p:nvPicPr>
           <p:cNvPr id="111" name="Picture 110"/>
@@ -6139,339 +5275,6 @@
           </a:prstGeom>
         </p:spPr>
       </p:pic>
-      <p:pic>
-        <p:nvPicPr>
-          <p:cNvPr id="127" name="Picture 126"/>
-          <p:cNvPicPr>
-            <a:picLocks noChangeAspect="1"/>
-          </p:cNvPicPr>
-          <p:nvPr/>
-        </p:nvPicPr>
-        <p:blipFill>
-          <a:blip r:embed="rId8">
-            <a:extLst>
-              <a:ext uri="{28A0092B-C50C-407E-A947-70E740481C1C}">
-                <a14:useLocalDpi xmlns:a14="http://schemas.microsoft.com/office/drawing/2010/main" val="0"/>
-              </a:ext>
-            </a:extLst>
-          </a:blip>
-          <a:stretch>
-            <a:fillRect/>
-          </a:stretch>
-        </p:blipFill>
-        <p:spPr>
-          <a:xfrm>
-            <a:off x="9335166" y="1529707"/>
-            <a:ext cx="2053890" cy="271906"/>
-          </a:xfrm>
-          <a:prstGeom prst="rect">
-            <a:avLst/>
-          </a:prstGeom>
-        </p:spPr>
-      </p:pic>
-      <p:grpSp>
-        <p:nvGrpSpPr>
-          <p:cNvPr id="132" name="Group 131"/>
-          <p:cNvGrpSpPr/>
-          <p:nvPr/>
-        </p:nvGrpSpPr>
-        <p:grpSpPr>
-          <a:xfrm>
-            <a:off x="2637430" y="1800966"/>
-            <a:ext cx="1427835" cy="1000688"/>
-            <a:chOff x="1187811" y="1912652"/>
-            <a:chExt cx="1427835" cy="1000688"/>
-          </a:xfrm>
-        </p:grpSpPr>
-        <p:grpSp>
-          <p:nvGrpSpPr>
-            <p:cNvPr id="128" name="Group 127"/>
-            <p:cNvGrpSpPr/>
-            <p:nvPr/>
-          </p:nvGrpSpPr>
-          <p:grpSpPr>
-            <a:xfrm>
-              <a:off x="1187811" y="1912652"/>
-              <a:ext cx="1427835" cy="1000688"/>
-              <a:chOff x="1000039" y="1912652"/>
-              <a:chExt cx="1427835" cy="1000688"/>
-            </a:xfrm>
-          </p:grpSpPr>
-          <p:sp>
-            <p:nvSpPr>
-              <p:cNvPr id="129" name="Rectangle 128"/>
-              <p:cNvSpPr/>
-              <p:nvPr/>
-            </p:nvSpPr>
-            <p:spPr bwMode="auto">
-              <a:xfrm>
-                <a:off x="1000039" y="1912652"/>
-                <a:ext cx="1427835" cy="1000688"/>
-              </a:xfrm>
-              <a:prstGeom prst="rect">
-                <a:avLst/>
-              </a:prstGeom>
-              <a:ln>
-                <a:headEnd type="none" w="med" len="med"/>
-                <a:tailEnd type="none" w="med" len="med"/>
-              </a:ln>
-            </p:spPr>
-            <p:style>
-              <a:lnRef idx="1">
-                <a:schemeClr val="accent3"/>
-              </a:lnRef>
-              <a:fillRef idx="2">
-                <a:schemeClr val="accent3"/>
-              </a:fillRef>
-              <a:effectRef idx="1">
-                <a:schemeClr val="accent3"/>
-              </a:effectRef>
-              <a:fontRef idx="minor">
-                <a:schemeClr val="dk1"/>
-              </a:fontRef>
-            </p:style>
-            <p:txBody>
-              <a:bodyPr vert="horz" wrap="square" lIns="91440" tIns="45720" rIns="91440" bIns="45720" numCol="1" rtlCol="0" anchor="t" anchorCtr="0" compatLnSpc="1">
-                <a:prstTxWarp prst="textNoShape">
-                  <a:avLst/>
-                </a:prstTxWarp>
-                <a:spAutoFit/>
-              </a:bodyPr>
-              <a:lstStyle/>
-              <a:p>
-                <a:pPr marL="342900" marR="0" indent="-342900" algn="l" defTabSz="914400" rtl="0" eaLnBrk="1" fontAlgn="base" latinLnBrk="0" hangingPunct="1">
-                  <a:lnSpc>
-                    <a:spcPct val="80000"/>
-                  </a:lnSpc>
-                  <a:spcBef>
-                    <a:spcPct val="20000"/>
-                  </a:spcBef>
-                  <a:spcAft>
-                    <a:spcPct val="0"/>
-                  </a:spcAft>
-                  <a:buClr>
-                    <a:schemeClr val="hlink"/>
-                  </a:buClr>
-                  <a:buSzPct val="60000"/>
-                  <a:buFont typeface="Arial Narrow" pitchFamily="34" charset="0"/>
-                  <a:buNone/>
-                  <a:tabLst/>
-                </a:pPr>
-                <a:endParaRPr kumimoji="0" lang="en-CA" sz="2000" b="1" i="0" u="none" strike="noStrike" cap="none" normalizeH="0" baseline="0">
-                  <a:ln>
-                    <a:noFill/>
-                  </a:ln>
-                  <a:solidFill>
-                    <a:schemeClr val="tx1"/>
-                  </a:solidFill>
-                  <a:effectLst/>
-                  <a:latin typeface="Arial" charset="0"/>
-                </a:endParaRPr>
-              </a:p>
-            </p:txBody>
-          </p:sp>
-          <p:sp>
-            <p:nvSpPr>
-              <p:cNvPr id="130" name="TextBox 129"/>
-              <p:cNvSpPr txBox="1"/>
-              <p:nvPr/>
-            </p:nvSpPr>
-            <p:spPr>
-              <a:xfrm>
-                <a:off x="1072974" y="2043664"/>
-                <a:ext cx="692818" cy="738664"/>
-              </a:xfrm>
-              <a:prstGeom prst="rect">
-                <a:avLst/>
-              </a:prstGeom>
-              <a:noFill/>
-            </p:spPr>
-            <p:txBody>
-              <a:bodyPr wrap="none" rtlCol="0">
-                <a:spAutoFit/>
-              </a:bodyPr>
-              <a:lstStyle/>
-              <a:p>
-                <a:pPr algn="ctr"/>
-                <a:r>
-                  <a:rPr lang="en-CA" sz="1400" dirty="0"/>
-                  <a:t>CF</a:t>
-                </a:r>
-              </a:p>
-              <a:p>
-                <a:pPr algn="ctr"/>
-                <a:r>
-                  <a:rPr lang="en-CA" sz="1400" dirty="0"/>
-                  <a:t>Admin</a:t>
-                </a:r>
-              </a:p>
-              <a:p>
-                <a:pPr algn="ctr"/>
-                <a:r>
-                  <a:rPr lang="en-CA" sz="1400" dirty="0"/>
-                  <a:t>CLI</a:t>
-                </a:r>
-              </a:p>
-            </p:txBody>
-          </p:sp>
-        </p:grpSp>
-        <p:pic>
-          <p:nvPicPr>
-            <p:cNvPr id="131" name="Picture 130"/>
-            <p:cNvPicPr>
-              <a:picLocks noChangeAspect="1"/>
-            </p:cNvPicPr>
-            <p:nvPr/>
-          </p:nvPicPr>
-          <p:blipFill rotWithShape="1">
-            <a:blip r:embed="rId8">
-              <a:extLst>
-                <a:ext uri="{28A0092B-C50C-407E-A947-70E740481C1C}">
-                  <a14:useLocalDpi xmlns:a14="http://schemas.microsoft.com/office/drawing/2010/main" val="0"/>
-                </a:ext>
-              </a:extLst>
-            </a:blip>
-            <a:srcRect l="47275" t="-5476" r="41819" b="-2309"/>
-            <a:stretch/>
-          </p:blipFill>
-          <p:spPr>
-            <a:xfrm>
-              <a:off x="1939785" y="2010224"/>
-              <a:ext cx="647554" cy="847293"/>
-            </a:xfrm>
-            <a:prstGeom prst="rect">
-              <a:avLst/>
-            </a:prstGeom>
-          </p:spPr>
-        </p:pic>
-      </p:grpSp>
-      <p:grpSp>
-        <p:nvGrpSpPr>
-          <p:cNvPr id="83" name="Group 82"/>
-          <p:cNvGrpSpPr/>
-          <p:nvPr/>
-        </p:nvGrpSpPr>
-        <p:grpSpPr>
-          <a:xfrm>
-            <a:off x="2490027" y="1592422"/>
-            <a:ext cx="318324" cy="369332"/>
-            <a:chOff x="2790018" y="5090145"/>
-            <a:chExt cx="318324" cy="369332"/>
-          </a:xfrm>
-        </p:grpSpPr>
-        <p:sp>
-          <p:nvSpPr>
-            <p:cNvPr id="84" name="Oval 83"/>
-            <p:cNvSpPr/>
-            <p:nvPr/>
-          </p:nvSpPr>
-          <p:spPr bwMode="auto">
-            <a:xfrm>
-              <a:off x="2790018" y="5116682"/>
-              <a:ext cx="318324" cy="316259"/>
-            </a:xfrm>
-            <a:prstGeom prst="ellipse">
-              <a:avLst/>
-            </a:prstGeom>
-            <a:solidFill>
-              <a:srgbClr val="C00000"/>
-            </a:solidFill>
-            <a:ln>
-              <a:headEnd type="none" w="med" len="med"/>
-              <a:tailEnd type="none" w="med" len="med"/>
-            </a:ln>
-          </p:spPr>
-          <p:style>
-            <a:lnRef idx="0">
-              <a:schemeClr val="accent2"/>
-            </a:lnRef>
-            <a:fillRef idx="3">
-              <a:schemeClr val="accent2"/>
-            </a:fillRef>
-            <a:effectRef idx="3">
-              <a:schemeClr val="accent2"/>
-            </a:effectRef>
-            <a:fontRef idx="minor">
-              <a:schemeClr val="lt1"/>
-            </a:fontRef>
-          </p:style>
-          <p:txBody>
-            <a:bodyPr vert="horz" wrap="square" lIns="91440" tIns="45720" rIns="91440" bIns="45720" numCol="1" rtlCol="0" anchor="t" anchorCtr="0" compatLnSpc="1">
-              <a:prstTxWarp prst="textNoShape">
-                <a:avLst/>
-              </a:prstTxWarp>
-              <a:noAutofit/>
-            </a:bodyPr>
-            <a:lstStyle/>
-            <a:p>
-              <a:pPr marL="342900" marR="0" indent="-342900" algn="l" defTabSz="914400" rtl="0" eaLnBrk="1" fontAlgn="base" latinLnBrk="0" hangingPunct="1">
-                <a:lnSpc>
-                  <a:spcPct val="80000"/>
-                </a:lnSpc>
-                <a:spcBef>
-                  <a:spcPct val="20000"/>
-                </a:spcBef>
-                <a:spcAft>
-                  <a:spcPct val="0"/>
-                </a:spcAft>
-                <a:buClr>
-                  <a:schemeClr val="hlink"/>
-                </a:buClr>
-                <a:buSzPct val="60000"/>
-                <a:buFont typeface="Arial Narrow" pitchFamily="34" charset="0"/>
-                <a:buNone/>
-                <a:tabLst/>
-              </a:pPr>
-              <a:endParaRPr kumimoji="0" lang="en-CA" sz="2000" b="1" i="0" u="none" strike="noStrike" cap="none" normalizeH="0" baseline="0" dirty="0" smtClean="0">
-                <a:ln>
-                  <a:noFill/>
-                </a:ln>
-                <a:solidFill>
-                  <a:schemeClr val="accent4">
-                    <a:lumMod val="95000"/>
-                    <a:lumOff val="5000"/>
-                  </a:schemeClr>
-                </a:solidFill>
-                <a:effectLst/>
-                <a:latin typeface="Arial" charset="0"/>
-              </a:endParaRPr>
-            </a:p>
-          </p:txBody>
-        </p:sp>
-        <p:sp>
-          <p:nvSpPr>
-            <p:cNvPr id="85" name="TextBox 84"/>
-            <p:cNvSpPr txBox="1"/>
-            <p:nvPr/>
-          </p:nvSpPr>
-          <p:spPr>
-            <a:xfrm>
-              <a:off x="2790018" y="5090145"/>
-              <a:ext cx="312906" cy="369332"/>
-            </a:xfrm>
-            <a:prstGeom prst="rect">
-              <a:avLst/>
-            </a:prstGeom>
-            <a:noFill/>
-          </p:spPr>
-          <p:txBody>
-            <a:bodyPr wrap="none" rtlCol="0">
-              <a:spAutoFit/>
-            </a:bodyPr>
-            <a:lstStyle/>
-            <a:p>
-              <a:r>
-                <a:rPr lang="en-CA" dirty="0">
-                  <a:solidFill>
-                    <a:schemeClr val="bg1"/>
-                  </a:solidFill>
-                </a:rPr>
-                <a:t>6</a:t>
-              </a:r>
-            </a:p>
-          </p:txBody>
-        </p:sp>
-      </p:grpSp>
       <p:sp>
         <p:nvSpPr>
           <p:cNvPr id="152" name="TextBox 151"/>
@@ -6498,199 +5301,6 @@
           </a:p>
         </p:txBody>
       </p:sp>
-      <p:sp>
-        <p:nvSpPr>
-          <p:cNvPr id="165" name="TextBox 164"/>
-          <p:cNvSpPr txBox="1"/>
-          <p:nvPr/>
-        </p:nvSpPr>
-        <p:spPr>
-          <a:xfrm>
-            <a:off x="10877219" y="4445546"/>
-            <a:ext cx="585409" cy="369332"/>
-          </a:xfrm>
-          <a:prstGeom prst="rect">
-            <a:avLst/>
-          </a:prstGeom>
-          <a:noFill/>
-        </p:spPr>
-        <p:txBody>
-          <a:bodyPr wrap="square" rtlCol="0">
-            <a:spAutoFit/>
-          </a:bodyPr>
-          <a:lstStyle/>
-          <a:p>
-            <a:r>
-              <a:rPr lang="en-CA" dirty="0"/>
-              <a:t>IaaS</a:t>
-            </a:r>
-          </a:p>
-        </p:txBody>
-      </p:sp>
-      <p:pic>
-        <p:nvPicPr>
-          <p:cNvPr id="168" name="Picture 2" descr="http://its.ucsc.edu/cloud-services/aws.jpg?t=0"/>
-          <p:cNvPicPr>
-            <a:picLocks noChangeAspect="1" noChangeArrowheads="1"/>
-          </p:cNvPicPr>
-          <p:nvPr/>
-        </p:nvPicPr>
-        <p:blipFill rotWithShape="1">
-          <a:blip r:embed="rId9">
-            <a:extLst>
-              <a:ext uri="{28A0092B-C50C-407E-A947-70E740481C1C}">
-                <a14:useLocalDpi xmlns:a14="http://schemas.microsoft.com/office/drawing/2010/main" val="0"/>
-              </a:ext>
-            </a:extLst>
-          </a:blip>
-          <a:srcRect l="-6497" t="-6613" r="-7953" b="-7838"/>
-          <a:stretch/>
-        </p:blipFill>
-        <p:spPr bwMode="auto">
-          <a:xfrm>
-            <a:off x="9709465" y="4814878"/>
-            <a:ext cx="866920" cy="718706"/>
-          </a:xfrm>
-          <a:prstGeom prst="rect">
-            <a:avLst/>
-          </a:prstGeom>
-          <a:solidFill>
-            <a:schemeClr val="bg1"/>
-          </a:solidFill>
-          <a:ln w="12700">
-            <a:solidFill>
-              <a:schemeClr val="bg1">
-                <a:lumMod val="50000"/>
-              </a:schemeClr>
-            </a:solidFill>
-          </a:ln>
-          <a:extLst/>
-        </p:spPr>
-      </p:pic>
-      <p:pic>
-        <p:nvPicPr>
-          <p:cNvPr id="170" name="Picture 10" descr="http://docs.openstack.org/infra/publications/using-your-own/graphics/openstack-cloud-software-vertical-large.png"/>
-          <p:cNvPicPr>
-            <a:picLocks noChangeAspect="1" noChangeArrowheads="1"/>
-          </p:cNvPicPr>
-          <p:nvPr/>
-        </p:nvPicPr>
-        <p:blipFill rotWithShape="1">
-          <a:blip r:embed="rId10">
-            <a:extLst>
-              <a:ext uri="{28A0092B-C50C-407E-A947-70E740481C1C}">
-                <a14:useLocalDpi xmlns:a14="http://schemas.microsoft.com/office/drawing/2010/main" val="0"/>
-              </a:ext>
-            </a:extLst>
-          </a:blip>
-          <a:srcRect l="7758" t="-4965" r="11211"/>
-          <a:stretch/>
-        </p:blipFill>
-        <p:spPr bwMode="auto">
-          <a:xfrm>
-            <a:off x="10630398" y="5612843"/>
-            <a:ext cx="739780" cy="718706"/>
-          </a:xfrm>
-          <a:prstGeom prst="rect">
-            <a:avLst/>
-          </a:prstGeom>
-          <a:solidFill>
-            <a:schemeClr val="bg1"/>
-          </a:solidFill>
-          <a:ln w="12700">
-            <a:solidFill>
-              <a:schemeClr val="bg1">
-                <a:lumMod val="50000"/>
-              </a:schemeClr>
-            </a:solidFill>
-          </a:ln>
-          <a:extLst/>
-        </p:spPr>
-      </p:pic>
-      <p:pic>
-        <p:nvPicPr>
-          <p:cNvPr id="171" name="Picture 16" descr="http://www.3support.com/wp-content/uploads/2012/08/vmware-Logo.jpg"/>
-          <p:cNvPicPr>
-            <a:picLocks noChangeAspect="1" noChangeArrowheads="1"/>
-          </p:cNvPicPr>
-          <p:nvPr/>
-        </p:nvPicPr>
-        <p:blipFill>
-          <a:blip r:embed="rId11">
-            <a:extLst>
-              <a:ext uri="{28A0092B-C50C-407E-A947-70E740481C1C}">
-                <a14:useLocalDpi xmlns:a14="http://schemas.microsoft.com/office/drawing/2010/main" val="0"/>
-              </a:ext>
-            </a:extLst>
-          </a:blip>
-          <a:srcRect/>
-          <a:stretch>
-            <a:fillRect/>
-          </a:stretch>
-        </p:blipFill>
-        <p:spPr bwMode="auto">
-          <a:xfrm>
-            <a:off x="10661161" y="4814878"/>
-            <a:ext cx="712629" cy="712629"/>
-          </a:xfrm>
-          <a:prstGeom prst="rect">
-            <a:avLst/>
-          </a:prstGeom>
-          <a:solidFill>
-            <a:schemeClr val="bg1"/>
-          </a:solidFill>
-          <a:ln w="12700">
-            <a:solidFill>
-              <a:schemeClr val="bg1">
-                <a:lumMod val="50000"/>
-              </a:schemeClr>
-            </a:solidFill>
-          </a:ln>
-          <a:extLst/>
-        </p:spPr>
-      </p:pic>
-      <p:pic>
-        <p:nvPicPr>
-          <p:cNvPr id="172" name="Picture 171" descr="http://kemptechnologies.com/blog/wp-content/uploads/2014/07/micorosftazurelogo.jpg"/>
-          <p:cNvPicPr>
-            <a:picLocks noChangeAspect="1" noChangeArrowheads="1"/>
-          </p:cNvPicPr>
-          <p:nvPr/>
-        </p:nvPicPr>
-        <p:blipFill>
-          <a:blip r:embed="rId12">
-            <a:extLst>
-              <a:ext uri="{28A0092B-C50C-407E-A947-70E740481C1C}">
-                <a14:useLocalDpi xmlns:a14="http://schemas.microsoft.com/office/drawing/2010/main" val="0"/>
-              </a:ext>
-            </a:extLst>
-          </a:blip>
-          <a:srcRect/>
-          <a:stretch>
-            <a:fillRect/>
-          </a:stretch>
-        </p:blipFill>
-        <p:spPr bwMode="auto">
-          <a:xfrm>
-            <a:off x="9258862" y="5618920"/>
-            <a:ext cx="1285342" cy="712629"/>
-          </a:xfrm>
-          <a:prstGeom prst="rect">
-            <a:avLst/>
-          </a:prstGeom>
-          <a:solidFill>
-            <a:schemeClr val="bg1"/>
-          </a:solidFill>
-          <a:ln w="12700">
-            <a:solidFill>
-              <a:schemeClr val="bg1">
-                <a:lumMod val="50000"/>
-              </a:schemeClr>
-            </a:solidFill>
-          </a:ln>
-          <a:extLst/>
-        </p:spPr>
-      </p:pic>
       <p:sp>
         <p:nvSpPr>
           <p:cNvPr id="77" name="TextBox 76"/>
@@ -6735,159 +5345,7 @@
   <p:timing>
     <p:tnLst>
       <p:par>
-        <p:cTn id="1" dur="indefinite" restart="never" nodeType="tmRoot">
-          <p:childTnLst>
-            <p:seq concurrent="1" nextAc="seek">
-              <p:cTn id="2" dur="indefinite" nodeType="mainSeq">
-                <p:childTnLst>
-                  <p:par>
-                    <p:cTn id="3" fill="hold">
-                      <p:stCondLst>
-                        <p:cond delay="indefinite"/>
-                        <p:cond evt="onBegin" delay="0">
-                          <p:tn val="2"/>
-                        </p:cond>
-                      </p:stCondLst>
-                      <p:childTnLst>
-                        <p:par>
-                          <p:cTn id="4" fill="hold">
-                            <p:stCondLst>
-                              <p:cond delay="0"/>
-                            </p:stCondLst>
-                            <p:childTnLst>
-                              <p:par>
-                                <p:cTn id="5" presetID="1" presetClass="entr" presetSubtype="0" fill="hold" nodeType="withEffect">
-                                  <p:stCondLst>
-                                    <p:cond delay="0"/>
-                                  </p:stCondLst>
-                                  <p:childTnLst>
-                                    <p:set>
-                                      <p:cBhvr>
-                                        <p:cTn id="6" dur="1" fill="hold">
-                                          <p:stCondLst>
-                                            <p:cond delay="0"/>
-                                          </p:stCondLst>
-                                        </p:cTn>
-                                        <p:tgtEl>
-                                          <p:spTgt spid="170"/>
-                                        </p:tgtEl>
-                                        <p:attrNameLst>
-                                          <p:attrName>style.visibility</p:attrName>
-                                        </p:attrNameLst>
-                                      </p:cBhvr>
-                                      <p:to>
-                                        <p:strVal val="visible"/>
-                                      </p:to>
-                                    </p:set>
-                                  </p:childTnLst>
-                                </p:cTn>
-                              </p:par>
-                              <p:par>
-                                <p:cTn id="7" presetID="1" presetClass="entr" presetSubtype="0" fill="hold" nodeType="withEffect">
-                                  <p:stCondLst>
-                                    <p:cond delay="0"/>
-                                  </p:stCondLst>
-                                  <p:childTnLst>
-                                    <p:set>
-                                      <p:cBhvr>
-                                        <p:cTn id="8" dur="1" fill="hold">
-                                          <p:stCondLst>
-                                            <p:cond delay="0"/>
-                                          </p:stCondLst>
-                                        </p:cTn>
-                                        <p:tgtEl>
-                                          <p:spTgt spid="171"/>
-                                        </p:tgtEl>
-                                        <p:attrNameLst>
-                                          <p:attrName>style.visibility</p:attrName>
-                                        </p:attrNameLst>
-                                      </p:cBhvr>
-                                      <p:to>
-                                        <p:strVal val="visible"/>
-                                      </p:to>
-                                    </p:set>
-                                  </p:childTnLst>
-                                </p:cTn>
-                              </p:par>
-                              <p:par>
-                                <p:cTn id="9" presetID="1" presetClass="entr" presetSubtype="0" fill="hold" nodeType="withEffect">
-                                  <p:stCondLst>
-                                    <p:cond delay="0"/>
-                                  </p:stCondLst>
-                                  <p:childTnLst>
-                                    <p:set>
-                                      <p:cBhvr>
-                                        <p:cTn id="10" dur="1" fill="hold">
-                                          <p:stCondLst>
-                                            <p:cond delay="0"/>
-                                          </p:stCondLst>
-                                        </p:cTn>
-                                        <p:tgtEl>
-                                          <p:spTgt spid="168"/>
-                                        </p:tgtEl>
-                                        <p:attrNameLst>
-                                          <p:attrName>style.visibility</p:attrName>
-                                        </p:attrNameLst>
-                                      </p:cBhvr>
-                                      <p:to>
-                                        <p:strVal val="visible"/>
-                                      </p:to>
-                                    </p:set>
-                                  </p:childTnLst>
-                                </p:cTn>
-                              </p:par>
-                              <p:par>
-                                <p:cTn id="11" presetID="1" presetClass="entr" presetSubtype="0" fill="hold" nodeType="withEffect">
-                                  <p:stCondLst>
-                                    <p:cond delay="0"/>
-                                  </p:stCondLst>
-                                  <p:childTnLst>
-                                    <p:set>
-                                      <p:cBhvr>
-                                        <p:cTn id="12" dur="1" fill="hold">
-                                          <p:stCondLst>
-                                            <p:cond delay="0"/>
-                                          </p:stCondLst>
-                                        </p:cTn>
-                                        <p:tgtEl>
-                                          <p:spTgt spid="172"/>
-                                        </p:tgtEl>
-                                        <p:attrNameLst>
-                                          <p:attrName>style.visibility</p:attrName>
-                                        </p:attrNameLst>
-                                      </p:cBhvr>
-                                      <p:to>
-                                        <p:strVal val="visible"/>
-                                      </p:to>
-                                    </p:set>
-                                  </p:childTnLst>
-                                </p:cTn>
-                              </p:par>
-                            </p:childTnLst>
-                          </p:cTn>
-                        </p:par>
-                      </p:childTnLst>
-                    </p:cTn>
-                  </p:par>
-                </p:childTnLst>
-              </p:cTn>
-              <p:prevCondLst>
-                <p:cond evt="onPrev" delay="0">
-                  <p:tgtEl>
-                    <p:sldTgt/>
-                  </p:tgtEl>
-                </p:cond>
-              </p:prevCondLst>
-              <p:nextCondLst>
-                <p:cond evt="onNext" delay="0">
-                  <p:tgtEl>
-                    <p:sldTgt/>
-                  </p:tgtEl>
-                </p:cond>
-              </p:nextCondLst>
-            </p:seq>
-          </p:childTnLst>
-        </p:cTn>
+        <p:cTn id="1" dur="indefinite" restart="never" nodeType="tmRoot"/>
       </p:par>
     </p:tnLst>
   </p:timing>
